--- a/资料/恶意软件对比学习 -10.11.pptx
+++ b/资料/恶意软件对比学习 -10.11.pptx
@@ -23187,7 +23187,7 @@
         </p:blipFill>
         <p:spPr>
           <a:xfrm>
-            <a:off x="7082155" y="85725"/>
+            <a:off x="5724525" y="4451350"/>
             <a:ext cx="5168900" cy="1466215"/>
           </a:xfrm>
           <a:prstGeom prst="rect">
